--- a/data-for-figs/Mock_Mi_vs_Hi/data/Hi_vs_Mi_fig.pptx
+++ b/data-for-figs/Mock_Mi_vs_Hi/data/Hi_vs_Mi_fig.pptx
@@ -4107,7 +4107,7 @@
         </p:nvSpPr>
         <p:spPr>
           <a:xfrm>
-            <a:off x="4170483" y="7852782"/>
+            <a:off x="4229860" y="7864658"/>
             <a:ext cx="1620957" cy="369332"/>
           </a:xfrm>
           <a:prstGeom prst="rect">
@@ -4868,6 +4868,698 @@
               <a:t> Length Mock Data Sets</a:t>
             </a:r>
             <a:endParaRPr lang="en-US" sz="1400" dirty="0"/>
+          </a:p>
+        </p:txBody>
+      </p:sp>
+      <p:sp>
+        <p:nvSpPr>
+          <p:cNvPr id="41" name="Oval 40"/>
+          <p:cNvSpPr/>
+          <p:nvPr/>
+        </p:nvSpPr>
+        <p:spPr>
+          <a:xfrm>
+            <a:off x="4337050" y="7826375"/>
+            <a:ext cx="101600" cy="105638"/>
+          </a:xfrm>
+          <a:prstGeom prst="ellipse">
+            <a:avLst/>
+          </a:prstGeom>
+          <a:solidFill>
+            <a:srgbClr val="7030A0"/>
+          </a:solidFill>
+          <a:ln>
+            <a:solidFill>
+              <a:srgbClr val="7030A0"/>
+            </a:solidFill>
+          </a:ln>
+        </p:spPr>
+        <p:style>
+          <a:lnRef idx="2">
+            <a:schemeClr val="accent1">
+              <a:shade val="50000"/>
+            </a:schemeClr>
+          </a:lnRef>
+          <a:fillRef idx="1">
+            <a:schemeClr val="accent1"/>
+          </a:fillRef>
+          <a:effectRef idx="0">
+            <a:schemeClr val="accent1"/>
+          </a:effectRef>
+          <a:fontRef idx="minor">
+            <a:schemeClr val="lt1"/>
+          </a:fontRef>
+        </p:style>
+        <p:txBody>
+          <a:bodyPr rtlCol="0" anchor="ctr"/>
+          <a:lstStyle/>
+          <a:p>
+            <a:pPr algn="ctr"/>
+            <a:endParaRPr lang="en-US"/>
+          </a:p>
+        </p:txBody>
+      </p:sp>
+      <p:sp>
+        <p:nvSpPr>
+          <p:cNvPr id="42" name="Oval 41"/>
+          <p:cNvSpPr/>
+          <p:nvPr/>
+        </p:nvSpPr>
+        <p:spPr>
+          <a:xfrm>
+            <a:off x="6835851" y="9221396"/>
+            <a:ext cx="101600" cy="105638"/>
+          </a:xfrm>
+          <a:prstGeom prst="ellipse">
+            <a:avLst/>
+          </a:prstGeom>
+          <a:solidFill>
+            <a:srgbClr val="7030A0"/>
+          </a:solidFill>
+          <a:ln>
+            <a:solidFill>
+              <a:srgbClr val="7030A0"/>
+            </a:solidFill>
+          </a:ln>
+        </p:spPr>
+        <p:style>
+          <a:lnRef idx="2">
+            <a:schemeClr val="accent1">
+              <a:shade val="50000"/>
+            </a:schemeClr>
+          </a:lnRef>
+          <a:fillRef idx="1">
+            <a:schemeClr val="accent1"/>
+          </a:fillRef>
+          <a:effectRef idx="0">
+            <a:schemeClr val="accent1"/>
+          </a:effectRef>
+          <a:fontRef idx="minor">
+            <a:schemeClr val="lt1"/>
+          </a:fontRef>
+        </p:style>
+        <p:txBody>
+          <a:bodyPr rtlCol="0" anchor="ctr"/>
+          <a:lstStyle/>
+          <a:p>
+            <a:pPr algn="ctr"/>
+            <a:endParaRPr lang="en-US"/>
+          </a:p>
+        </p:txBody>
+      </p:sp>
+      <p:sp>
+        <p:nvSpPr>
+          <p:cNvPr id="43" name="Oval 42"/>
+          <p:cNvSpPr/>
+          <p:nvPr/>
+        </p:nvSpPr>
+        <p:spPr>
+          <a:xfrm>
+            <a:off x="4271200" y="8262684"/>
+            <a:ext cx="101600" cy="105638"/>
+          </a:xfrm>
+          <a:prstGeom prst="ellipse">
+            <a:avLst/>
+          </a:prstGeom>
+          <a:solidFill>
+            <a:srgbClr val="00B0F0"/>
+          </a:solidFill>
+          <a:ln>
+            <a:solidFill>
+              <a:srgbClr val="00B0F0"/>
+            </a:solidFill>
+          </a:ln>
+        </p:spPr>
+        <p:style>
+          <a:lnRef idx="2">
+            <a:schemeClr val="accent1">
+              <a:shade val="50000"/>
+            </a:schemeClr>
+          </a:lnRef>
+          <a:fillRef idx="1">
+            <a:schemeClr val="accent1"/>
+          </a:fillRef>
+          <a:effectRef idx="0">
+            <a:schemeClr val="accent1"/>
+          </a:effectRef>
+          <a:fontRef idx="minor">
+            <a:schemeClr val="lt1"/>
+          </a:fontRef>
+        </p:style>
+        <p:txBody>
+          <a:bodyPr rtlCol="0" anchor="ctr"/>
+          <a:lstStyle/>
+          <a:p>
+            <a:pPr algn="ctr"/>
+            <a:endParaRPr lang="en-US"/>
+          </a:p>
+        </p:txBody>
+      </p:sp>
+      <p:sp>
+        <p:nvSpPr>
+          <p:cNvPr id="44" name="Oval 43"/>
+          <p:cNvSpPr/>
+          <p:nvPr/>
+        </p:nvSpPr>
+        <p:spPr>
+          <a:xfrm>
+            <a:off x="6089724" y="9233465"/>
+            <a:ext cx="101600" cy="105638"/>
+          </a:xfrm>
+          <a:prstGeom prst="ellipse">
+            <a:avLst/>
+          </a:prstGeom>
+          <a:solidFill>
+            <a:srgbClr val="00B0F0"/>
+          </a:solidFill>
+          <a:ln>
+            <a:solidFill>
+              <a:srgbClr val="00B0F0"/>
+            </a:solidFill>
+          </a:ln>
+        </p:spPr>
+        <p:style>
+          <a:lnRef idx="2">
+            <a:schemeClr val="accent1">
+              <a:shade val="50000"/>
+            </a:schemeClr>
+          </a:lnRef>
+          <a:fillRef idx="1">
+            <a:schemeClr val="accent1"/>
+          </a:fillRef>
+          <a:effectRef idx="0">
+            <a:schemeClr val="accent1"/>
+          </a:effectRef>
+          <a:fontRef idx="minor">
+            <a:schemeClr val="lt1"/>
+          </a:fontRef>
+        </p:style>
+        <p:txBody>
+          <a:bodyPr rtlCol="0" anchor="ctr"/>
+          <a:lstStyle/>
+          <a:p>
+            <a:pPr algn="ctr"/>
+            <a:endParaRPr lang="en-US"/>
+          </a:p>
+        </p:txBody>
+      </p:sp>
+      <p:sp>
+        <p:nvSpPr>
+          <p:cNvPr id="45" name="Oval 44"/>
+          <p:cNvSpPr/>
+          <p:nvPr/>
+        </p:nvSpPr>
+        <p:spPr>
+          <a:xfrm>
+            <a:off x="4267200" y="363956"/>
+            <a:ext cx="101600" cy="105638"/>
+          </a:xfrm>
+          <a:prstGeom prst="ellipse">
+            <a:avLst/>
+          </a:prstGeom>
+          <a:solidFill>
+            <a:srgbClr val="00B0F0"/>
+          </a:solidFill>
+          <a:ln>
+            <a:solidFill>
+              <a:srgbClr val="00B0F0"/>
+            </a:solidFill>
+          </a:ln>
+        </p:spPr>
+        <p:style>
+          <a:lnRef idx="2">
+            <a:schemeClr val="accent1">
+              <a:shade val="50000"/>
+            </a:schemeClr>
+          </a:lnRef>
+          <a:fillRef idx="1">
+            <a:schemeClr val="accent1"/>
+          </a:fillRef>
+          <a:effectRef idx="0">
+            <a:schemeClr val="accent1"/>
+          </a:effectRef>
+          <a:fontRef idx="minor">
+            <a:schemeClr val="lt1"/>
+          </a:fontRef>
+        </p:style>
+        <p:txBody>
+          <a:bodyPr rtlCol="0" anchor="ctr"/>
+          <a:lstStyle/>
+          <a:p>
+            <a:pPr algn="ctr"/>
+            <a:endParaRPr lang="en-US"/>
+          </a:p>
+        </p:txBody>
+      </p:sp>
+      <p:sp>
+        <p:nvSpPr>
+          <p:cNvPr id="46" name="Oval 45"/>
+          <p:cNvSpPr/>
+          <p:nvPr/>
+        </p:nvSpPr>
+        <p:spPr>
+          <a:xfrm>
+            <a:off x="6832954" y="1759835"/>
+            <a:ext cx="101600" cy="105638"/>
+          </a:xfrm>
+          <a:prstGeom prst="ellipse">
+            <a:avLst/>
+          </a:prstGeom>
+          <a:solidFill>
+            <a:srgbClr val="00B0F0"/>
+          </a:solidFill>
+          <a:ln>
+            <a:solidFill>
+              <a:srgbClr val="00B0F0"/>
+            </a:solidFill>
+          </a:ln>
+        </p:spPr>
+        <p:style>
+          <a:lnRef idx="2">
+            <a:schemeClr val="accent1">
+              <a:shade val="50000"/>
+            </a:schemeClr>
+          </a:lnRef>
+          <a:fillRef idx="1">
+            <a:schemeClr val="accent1"/>
+          </a:fillRef>
+          <a:effectRef idx="0">
+            <a:schemeClr val="accent1"/>
+          </a:effectRef>
+          <a:fontRef idx="minor">
+            <a:schemeClr val="lt1"/>
+          </a:fontRef>
+        </p:style>
+        <p:txBody>
+          <a:bodyPr rtlCol="0" anchor="ctr"/>
+          <a:lstStyle/>
+          <a:p>
+            <a:pPr algn="ctr"/>
+            <a:endParaRPr lang="en-US"/>
+          </a:p>
+        </p:txBody>
+      </p:sp>
+      <p:sp>
+        <p:nvSpPr>
+          <p:cNvPr id="47" name="Oval 46"/>
+          <p:cNvSpPr/>
+          <p:nvPr/>
+        </p:nvSpPr>
+        <p:spPr>
+          <a:xfrm>
+            <a:off x="3662756" y="370680"/>
+            <a:ext cx="101600" cy="105638"/>
+          </a:xfrm>
+          <a:prstGeom prst="ellipse">
+            <a:avLst/>
+          </a:prstGeom>
+          <a:solidFill>
+            <a:srgbClr val="7030A0"/>
+          </a:solidFill>
+          <a:ln>
+            <a:solidFill>
+              <a:srgbClr val="7030A0"/>
+            </a:solidFill>
+          </a:ln>
+        </p:spPr>
+        <p:style>
+          <a:lnRef idx="2">
+            <a:schemeClr val="accent1">
+              <a:shade val="50000"/>
+            </a:schemeClr>
+          </a:lnRef>
+          <a:fillRef idx="1">
+            <a:schemeClr val="accent1"/>
+          </a:fillRef>
+          <a:effectRef idx="0">
+            <a:schemeClr val="accent1"/>
+          </a:effectRef>
+          <a:fontRef idx="minor">
+            <a:schemeClr val="lt1"/>
+          </a:fontRef>
+        </p:style>
+        <p:txBody>
+          <a:bodyPr rtlCol="0" anchor="ctr"/>
+          <a:lstStyle/>
+          <a:p>
+            <a:pPr algn="ctr"/>
+            <a:endParaRPr lang="en-US"/>
+          </a:p>
+        </p:txBody>
+      </p:sp>
+      <p:sp>
+        <p:nvSpPr>
+          <p:cNvPr id="48" name="Oval 47"/>
+          <p:cNvSpPr/>
+          <p:nvPr/>
+        </p:nvSpPr>
+        <p:spPr>
+          <a:xfrm>
+            <a:off x="3512750" y="1732012"/>
+            <a:ext cx="101600" cy="105638"/>
+          </a:xfrm>
+          <a:prstGeom prst="ellipse">
+            <a:avLst/>
+          </a:prstGeom>
+          <a:solidFill>
+            <a:srgbClr val="7030A0"/>
+          </a:solidFill>
+          <a:ln>
+            <a:solidFill>
+              <a:srgbClr val="7030A0"/>
+            </a:solidFill>
+          </a:ln>
+        </p:spPr>
+        <p:style>
+          <a:lnRef idx="2">
+            <a:schemeClr val="accent1">
+              <a:shade val="50000"/>
+            </a:schemeClr>
+          </a:lnRef>
+          <a:fillRef idx="1">
+            <a:schemeClr val="accent1"/>
+          </a:fillRef>
+          <a:effectRef idx="0">
+            <a:schemeClr val="accent1"/>
+          </a:effectRef>
+          <a:fontRef idx="minor">
+            <a:schemeClr val="lt1"/>
+          </a:fontRef>
+        </p:style>
+        <p:txBody>
+          <a:bodyPr rtlCol="0" anchor="ctr"/>
+          <a:lstStyle/>
+          <a:p>
+            <a:pPr algn="ctr"/>
+            <a:endParaRPr lang="en-US"/>
+          </a:p>
+        </p:txBody>
+      </p:sp>
+      <p:sp>
+        <p:nvSpPr>
+          <p:cNvPr id="50" name="Oval 49"/>
+          <p:cNvSpPr/>
+          <p:nvPr/>
+        </p:nvSpPr>
+        <p:spPr>
+          <a:xfrm>
+            <a:off x="6320337" y="4097291"/>
+            <a:ext cx="101600" cy="105638"/>
+          </a:xfrm>
+          <a:prstGeom prst="ellipse">
+            <a:avLst/>
+          </a:prstGeom>
+          <a:solidFill>
+            <a:srgbClr val="7030A0"/>
+          </a:solidFill>
+          <a:ln>
+            <a:solidFill>
+              <a:srgbClr val="7030A0"/>
+            </a:solidFill>
+          </a:ln>
+        </p:spPr>
+        <p:style>
+          <a:lnRef idx="2">
+            <a:schemeClr val="accent1">
+              <a:shade val="50000"/>
+            </a:schemeClr>
+          </a:lnRef>
+          <a:fillRef idx="1">
+            <a:schemeClr val="accent1"/>
+          </a:fillRef>
+          <a:effectRef idx="0">
+            <a:schemeClr val="accent1"/>
+          </a:effectRef>
+          <a:fontRef idx="minor">
+            <a:schemeClr val="lt1"/>
+          </a:fontRef>
+        </p:style>
+        <p:txBody>
+          <a:bodyPr rtlCol="0" anchor="ctr"/>
+          <a:lstStyle/>
+          <a:p>
+            <a:pPr algn="ctr"/>
+            <a:endParaRPr lang="en-US"/>
+          </a:p>
+        </p:txBody>
+      </p:sp>
+      <p:sp>
+        <p:nvSpPr>
+          <p:cNvPr id="51" name="Oval 50"/>
+          <p:cNvSpPr/>
+          <p:nvPr/>
+        </p:nvSpPr>
+        <p:spPr>
+          <a:xfrm>
+            <a:off x="6567737" y="4273441"/>
+            <a:ext cx="101600" cy="105638"/>
+          </a:xfrm>
+          <a:prstGeom prst="ellipse">
+            <a:avLst/>
+          </a:prstGeom>
+          <a:solidFill>
+            <a:srgbClr val="7030A0"/>
+          </a:solidFill>
+          <a:ln>
+            <a:solidFill>
+              <a:srgbClr val="7030A0"/>
+            </a:solidFill>
+          </a:ln>
+        </p:spPr>
+        <p:style>
+          <a:lnRef idx="2">
+            <a:schemeClr val="accent1">
+              <a:shade val="50000"/>
+            </a:schemeClr>
+          </a:lnRef>
+          <a:fillRef idx="1">
+            <a:schemeClr val="accent1"/>
+          </a:fillRef>
+          <a:effectRef idx="0">
+            <a:schemeClr val="accent1"/>
+          </a:effectRef>
+          <a:fontRef idx="minor">
+            <a:schemeClr val="lt1"/>
+          </a:fontRef>
+        </p:style>
+        <p:txBody>
+          <a:bodyPr rtlCol="0" anchor="ctr"/>
+          <a:lstStyle/>
+          <a:p>
+            <a:pPr algn="ctr"/>
+            <a:endParaRPr lang="en-US"/>
+          </a:p>
+        </p:txBody>
+      </p:sp>
+      <p:sp>
+        <p:nvSpPr>
+          <p:cNvPr id="52" name="Oval 51"/>
+          <p:cNvSpPr/>
+          <p:nvPr/>
+        </p:nvSpPr>
+        <p:spPr>
+          <a:xfrm>
+            <a:off x="4562791" y="1769735"/>
+            <a:ext cx="101600" cy="105638"/>
+          </a:xfrm>
+          <a:prstGeom prst="ellipse">
+            <a:avLst/>
+          </a:prstGeom>
+          <a:solidFill>
+            <a:schemeClr val="accent6">
+              <a:lumMod val="75000"/>
+            </a:schemeClr>
+          </a:solidFill>
+          <a:ln>
+            <a:solidFill>
+              <a:schemeClr val="accent6">
+                <a:lumMod val="75000"/>
+              </a:schemeClr>
+            </a:solidFill>
+          </a:ln>
+        </p:spPr>
+        <p:style>
+          <a:lnRef idx="2">
+            <a:schemeClr val="accent1">
+              <a:shade val="50000"/>
+            </a:schemeClr>
+          </a:lnRef>
+          <a:fillRef idx="1">
+            <a:schemeClr val="accent1"/>
+          </a:fillRef>
+          <a:effectRef idx="0">
+            <a:schemeClr val="accent1"/>
+          </a:effectRef>
+          <a:fontRef idx="minor">
+            <a:schemeClr val="lt1"/>
+          </a:fontRef>
+        </p:style>
+        <p:txBody>
+          <a:bodyPr rtlCol="0" anchor="ctr"/>
+          <a:lstStyle/>
+          <a:p>
+            <a:pPr algn="ctr"/>
+            <a:endParaRPr lang="en-US"/>
+          </a:p>
+        </p:txBody>
+      </p:sp>
+      <p:sp>
+        <p:nvSpPr>
+          <p:cNvPr id="53" name="Oval 52"/>
+          <p:cNvSpPr/>
+          <p:nvPr/>
+        </p:nvSpPr>
+        <p:spPr>
+          <a:xfrm>
+            <a:off x="4275803" y="1613376"/>
+            <a:ext cx="101600" cy="105638"/>
+          </a:xfrm>
+          <a:prstGeom prst="ellipse">
+            <a:avLst/>
+          </a:prstGeom>
+          <a:solidFill>
+            <a:schemeClr val="accent6">
+              <a:lumMod val="75000"/>
+            </a:schemeClr>
+          </a:solidFill>
+          <a:ln>
+            <a:solidFill>
+              <a:schemeClr val="accent6">
+                <a:lumMod val="75000"/>
+              </a:schemeClr>
+            </a:solidFill>
+          </a:ln>
+        </p:spPr>
+        <p:style>
+          <a:lnRef idx="2">
+            <a:schemeClr val="accent1">
+              <a:shade val="50000"/>
+            </a:schemeClr>
+          </a:lnRef>
+          <a:fillRef idx="1">
+            <a:schemeClr val="accent1"/>
+          </a:fillRef>
+          <a:effectRef idx="0">
+            <a:schemeClr val="accent1"/>
+          </a:effectRef>
+          <a:fontRef idx="minor">
+            <a:schemeClr val="lt1"/>
+          </a:fontRef>
+        </p:style>
+        <p:txBody>
+          <a:bodyPr rtlCol="0" anchor="ctr"/>
+          <a:lstStyle/>
+          <a:p>
+            <a:pPr algn="ctr"/>
+            <a:endParaRPr lang="en-US">
+              <a:solidFill>
+                <a:schemeClr val="accent6">
+                  <a:lumMod val="75000"/>
+                </a:schemeClr>
+              </a:solidFill>
+            </a:endParaRPr>
+          </a:p>
+        </p:txBody>
+      </p:sp>
+      <p:sp>
+        <p:nvSpPr>
+          <p:cNvPr id="54" name="Oval 53"/>
+          <p:cNvSpPr/>
+          <p:nvPr/>
+        </p:nvSpPr>
+        <p:spPr>
+          <a:xfrm>
+            <a:off x="4528364" y="1774930"/>
+            <a:ext cx="101600" cy="105638"/>
+          </a:xfrm>
+          <a:prstGeom prst="ellipse">
+            <a:avLst/>
+          </a:prstGeom>
+          <a:solidFill>
+            <a:srgbClr val="7030A0"/>
+          </a:solidFill>
+          <a:ln>
+            <a:solidFill>
+              <a:srgbClr val="7030A0"/>
+            </a:solidFill>
+          </a:ln>
+        </p:spPr>
+        <p:style>
+          <a:lnRef idx="2">
+            <a:schemeClr val="accent1">
+              <a:shade val="50000"/>
+            </a:schemeClr>
+          </a:lnRef>
+          <a:fillRef idx="1">
+            <a:schemeClr val="accent1"/>
+          </a:fillRef>
+          <a:effectRef idx="0">
+            <a:schemeClr val="accent1"/>
+          </a:effectRef>
+          <a:fontRef idx="minor">
+            <a:schemeClr val="lt1"/>
+          </a:fontRef>
+        </p:style>
+        <p:txBody>
+          <a:bodyPr rtlCol="0" anchor="ctr"/>
+          <a:lstStyle/>
+          <a:p>
+            <a:pPr algn="ctr"/>
+            <a:endParaRPr lang="en-US">
+              <a:solidFill>
+                <a:schemeClr val="accent6">
+                  <a:lumMod val="75000"/>
+                </a:schemeClr>
+              </a:solidFill>
+            </a:endParaRPr>
+          </a:p>
+        </p:txBody>
+      </p:sp>
+      <p:sp>
+        <p:nvSpPr>
+          <p:cNvPr id="55" name="Oval 54"/>
+          <p:cNvSpPr/>
+          <p:nvPr/>
+        </p:nvSpPr>
+        <p:spPr>
+          <a:xfrm>
+            <a:off x="4257251" y="1631271"/>
+            <a:ext cx="101600" cy="105638"/>
+          </a:xfrm>
+          <a:prstGeom prst="ellipse">
+            <a:avLst/>
+          </a:prstGeom>
+          <a:solidFill>
+            <a:srgbClr val="7030A0"/>
+          </a:solidFill>
+          <a:ln>
+            <a:solidFill>
+              <a:srgbClr val="7030A0"/>
+            </a:solidFill>
+          </a:ln>
+        </p:spPr>
+        <p:style>
+          <a:lnRef idx="2">
+            <a:schemeClr val="accent1">
+              <a:shade val="50000"/>
+            </a:schemeClr>
+          </a:lnRef>
+          <a:fillRef idx="1">
+            <a:schemeClr val="accent1"/>
+          </a:fillRef>
+          <a:effectRef idx="0">
+            <a:schemeClr val="accent1"/>
+          </a:effectRef>
+          <a:fontRef idx="minor">
+            <a:schemeClr val="lt1"/>
+          </a:fontRef>
+        </p:style>
+        <p:txBody>
+          <a:bodyPr rtlCol="0" anchor="ctr"/>
+          <a:lstStyle/>
+          <a:p>
+            <a:pPr algn="ctr"/>
+            <a:endParaRPr lang="en-US"/>
           </a:p>
         </p:txBody>
       </p:sp>

--- a/data-for-figs/Mock_Mi_vs_Hi/data/Hi_vs_Mi_fig.pptx
+++ b/data-for-figs/Mock_Mi_vs_Hi/data/Hi_vs_Mi_fig.pptx
@@ -5,10 +5,11 @@
     <p:sldMasterId id="2147483660" r:id="rId1"/>
   </p:sldMasterIdLst>
   <p:notesMasterIdLst>
-    <p:notesMasterId r:id="rId3"/>
+    <p:notesMasterId r:id="rId4"/>
   </p:notesMasterIdLst>
   <p:sldIdLst>
     <p:sldId id="256" r:id="rId2"/>
+    <p:sldId id="258" r:id="rId3"/>
   </p:sldIdLst>
   <p:sldSz cx="7772400" cy="10058400"/>
   <p:notesSz cx="6858000" cy="9144000"/>
@@ -107,6 +108,11 @@
       </a:defRPr>
     </a:lvl9pPr>
   </p:defaultTextStyle>
+  <p:extLst>
+    <p:ext uri="{EFAFB233-063F-42B5-8137-9DF3F51BA10A}">
+      <p15:sldGuideLst xmlns:p15="http://schemas.microsoft.com/office/powerpoint/2012/main"/>
+    </p:ext>
+  </p:extLst>
 </p:presentation>
 </file>
 
@@ -192,7 +198,7 @@
           <a:p>
             <a:fld id="{F9371647-6E19-5A4B-AAEC-FA22CEFF2FFF}" type="datetimeFigureOut">
               <a:rPr lang="en-US" smtClean="0"/>
-              <a:t>3/5/18</a:t>
+              <a:t>3/8/18</a:t>
             </a:fld>
             <a:endParaRPr lang="en-US"/>
           </a:p>
@@ -853,6 +859,399 @@
 </p:notes>
 </file>
 
+<file path=ppt/notesSlides/notesSlide2.xml><?xml version="1.0" encoding="utf-8"?>
+<p:notes xmlns:a="http://schemas.openxmlformats.org/drawingml/2006/main" xmlns:r="http://schemas.openxmlformats.org/officeDocument/2006/relationships" xmlns:p="http://schemas.openxmlformats.org/presentationml/2006/main">
+  <p:cSld>
+    <p:spTree>
+      <p:nvGrpSpPr>
+        <p:cNvPr id="1" name=""/>
+        <p:cNvGrpSpPr/>
+        <p:nvPr/>
+      </p:nvGrpSpPr>
+      <p:grpSpPr>
+        <a:xfrm>
+          <a:off x="0" y="0"/>
+          <a:ext cx="0" cy="0"/>
+          <a:chOff x="0" y="0"/>
+          <a:chExt cx="0" cy="0"/>
+        </a:xfrm>
+      </p:grpSpPr>
+      <p:sp>
+        <p:nvSpPr>
+          <p:cNvPr id="2" name="Slide Image Placeholder 1"/>
+          <p:cNvSpPr>
+            <a:spLocks noGrp="1" noRot="1" noChangeAspect="1"/>
+          </p:cNvSpPr>
+          <p:nvPr>
+            <p:ph type="sldImg"/>
+          </p:nvPr>
+        </p:nvSpPr>
+        <p:spPr/>
+      </p:sp>
+      <p:sp>
+        <p:nvSpPr>
+          <p:cNvPr id="3" name="Notes Placeholder 2"/>
+          <p:cNvSpPr>
+            <a:spLocks noGrp="1"/>
+          </p:cNvSpPr>
+          <p:nvPr>
+            <p:ph type="body" idx="1"/>
+          </p:nvPr>
+        </p:nvSpPr>
+        <p:spPr/>
+        <p:txBody>
+          <a:bodyPr/>
+          <a:lstStyle/>
+          <a:p>
+            <a:r>
+              <a:rPr lang="en-US" dirty="0" smtClean="0"/>
+              <a:t>Figure X. Comparisons of taxonomic assignments for Mock data sets with </a:t>
+            </a:r>
+            <a:r>
+              <a:rPr lang="en-US" dirty="0" err="1" smtClean="0"/>
+              <a:t>MiSeq</a:t>
+            </a:r>
+            <a:r>
+              <a:rPr lang="en-US" dirty="0" smtClean="0"/>
+              <a:t> length reads and Mock data sets with reads truncated to </a:t>
+            </a:r>
+            <a:r>
+              <a:rPr lang="en-US" dirty="0" err="1" smtClean="0"/>
+              <a:t>HiSeq</a:t>
+            </a:r>
+            <a:r>
+              <a:rPr lang="en-US" dirty="0" smtClean="0"/>
+              <a:t> length. For each graph, Point data represent the uncorrected relative counts of data derived from known organisms in Mock data sets (e.g. </a:t>
+            </a:r>
+            <a:r>
+              <a:rPr lang="en-US" dirty="0" err="1" smtClean="0"/>
+              <a:t>HiSeq</a:t>
+            </a:r>
+            <a:r>
+              <a:rPr lang="en-US" dirty="0" smtClean="0"/>
+              <a:t> resolved general level taxonomy for many reads for which </a:t>
+            </a:r>
+            <a:r>
+              <a:rPr lang="en-US" dirty="0" err="1" smtClean="0"/>
+              <a:t>MiSeq</a:t>
+            </a:r>
+            <a:r>
+              <a:rPr lang="en-US" dirty="0" smtClean="0"/>
+              <a:t> data resolved species level taxonomy). The linear model represents relative count data corrected for slight differences in taxonomy called for </a:t>
+            </a:r>
+            <a:r>
+              <a:rPr lang="en-US" dirty="0" err="1" smtClean="0"/>
+              <a:t>HiSeq</a:t>
+            </a:r>
+            <a:r>
+              <a:rPr lang="en-US" dirty="0" smtClean="0"/>
+              <a:t> and </a:t>
+            </a:r>
+            <a:r>
+              <a:rPr lang="en-US" dirty="0" err="1" smtClean="0"/>
+              <a:t>MiSeq</a:t>
+            </a:r>
+            <a:r>
+              <a:rPr lang="en-US" dirty="0" smtClean="0"/>
+              <a:t> length reads (see Supplementary Table X).</a:t>
+            </a:r>
+          </a:p>
+          <a:p>
+            <a:endParaRPr lang="en-US" dirty="0" smtClean="0"/>
+          </a:p>
+          <a:p>
+            <a:pPr rtl="0"/>
+            <a:r>
+              <a:rPr lang="en-US" b="0" dirty="0" smtClean="0">
+                <a:effectLst/>
+              </a:rPr>
+              <a:t/>
+            </a:r>
+            <a:br>
+              <a:rPr lang="en-US" b="0" dirty="0" smtClean="0">
+                <a:effectLst/>
+              </a:rPr>
+            </a:br>
+            <a:r>
+              <a:rPr lang="en-US" sz="1200" b="0" i="0" u="none" strike="noStrike" kern="1200" dirty="0" smtClean="0">
+                <a:solidFill>
+                  <a:schemeClr val="tx1"/>
+                </a:solidFill>
+                <a:effectLst/>
+                <a:latin typeface="+mn-lt"/>
+                <a:ea typeface="+mn-ea"/>
+                <a:cs typeface="+mn-cs"/>
+              </a:rPr>
+              <a:t>Figure X. The percent of MOCK CO1 and 16S reads at </a:t>
+            </a:r>
+            <a:r>
+              <a:rPr lang="en-US" sz="1200" b="0" i="0" u="none" strike="noStrike" kern="1200" dirty="0" err="1" smtClean="0">
+                <a:solidFill>
+                  <a:schemeClr val="tx1"/>
+                </a:solidFill>
+                <a:effectLst/>
+                <a:latin typeface="+mn-lt"/>
+                <a:ea typeface="+mn-ea"/>
+                <a:cs typeface="+mn-cs"/>
+              </a:rPr>
+              <a:t>MiSeq</a:t>
+            </a:r>
+            <a:r>
+              <a:rPr lang="en-US" sz="1200" b="0" i="0" u="none" strike="noStrike" kern="1200" dirty="0" smtClean="0">
+                <a:solidFill>
+                  <a:schemeClr val="tx1"/>
+                </a:solidFill>
+                <a:effectLst/>
+                <a:latin typeface="+mn-lt"/>
+                <a:ea typeface="+mn-ea"/>
+                <a:cs typeface="+mn-cs"/>
+              </a:rPr>
+              <a:t> and truncated to </a:t>
+            </a:r>
+            <a:r>
+              <a:rPr lang="en-US" sz="1200" b="0" i="0" u="none" strike="noStrike" kern="1200" dirty="0" err="1" smtClean="0">
+                <a:solidFill>
+                  <a:schemeClr val="tx1"/>
+                </a:solidFill>
+                <a:effectLst/>
+                <a:latin typeface="+mn-lt"/>
+                <a:ea typeface="+mn-ea"/>
+                <a:cs typeface="+mn-cs"/>
+              </a:rPr>
+              <a:t>HiSeq</a:t>
+            </a:r>
+            <a:r>
+              <a:rPr lang="en-US" sz="1200" b="0" i="0" u="none" strike="noStrike" kern="1200" dirty="0" smtClean="0">
+                <a:solidFill>
+                  <a:schemeClr val="tx1"/>
+                </a:solidFill>
+                <a:effectLst/>
+                <a:latin typeface="+mn-lt"/>
+                <a:ea typeface="+mn-ea"/>
+                <a:cs typeface="+mn-cs"/>
+              </a:rPr>
+              <a:t> length that were assigned to a given taxonomic path using the CRUX unfiltered CO1 reference library or the CRUX filtered 16S reference library at </a:t>
+            </a:r>
+            <a:r>
+              <a:rPr lang="en-US" sz="1200" b="0" i="0" u="none" strike="noStrike" kern="1200" dirty="0" err="1" smtClean="0">
+                <a:solidFill>
+                  <a:schemeClr val="tx1"/>
+                </a:solidFill>
+                <a:effectLst/>
+                <a:latin typeface="+mn-lt"/>
+                <a:ea typeface="+mn-ea"/>
+                <a:cs typeface="+mn-cs"/>
+              </a:rPr>
+              <a:t>blca</a:t>
+            </a:r>
+            <a:r>
+              <a:rPr lang="en-US" sz="1200" b="0" i="0" u="none" strike="noStrike" kern="1200" dirty="0" smtClean="0">
+                <a:solidFill>
+                  <a:schemeClr val="tx1"/>
+                </a:solidFill>
+                <a:effectLst/>
+                <a:latin typeface="+mn-lt"/>
+                <a:ea typeface="+mn-ea"/>
+                <a:cs typeface="+mn-cs"/>
+              </a:rPr>
+              <a:t> percent confidence cut of of 60%.  The taxonomic paths for four known </a:t>
+            </a:r>
+            <a:r>
+              <a:rPr lang="en-US" sz="1200" b="0" i="0" u="none" strike="noStrike" kern="1200" dirty="0" err="1" smtClean="0">
+                <a:solidFill>
+                  <a:schemeClr val="tx1"/>
+                </a:solidFill>
+                <a:effectLst/>
+                <a:latin typeface="+mn-lt"/>
+                <a:ea typeface="+mn-ea"/>
+                <a:cs typeface="+mn-cs"/>
+              </a:rPr>
+              <a:t>Polychaete</a:t>
+            </a:r>
+            <a:r>
+              <a:rPr lang="en-US" sz="1200" b="0" i="0" u="none" strike="noStrike" kern="1200" dirty="0" smtClean="0">
+                <a:solidFill>
+                  <a:schemeClr val="tx1"/>
+                </a:solidFill>
+                <a:effectLst/>
+                <a:latin typeface="+mn-lt"/>
+                <a:ea typeface="+mn-ea"/>
+                <a:cs typeface="+mn-cs"/>
+              </a:rPr>
+              <a:t> worms in CO1 and three abundant groups of </a:t>
+            </a:r>
+            <a:r>
+              <a:rPr lang="en-US" sz="1200" b="0" i="0" u="none" strike="noStrike" kern="1200" dirty="0" err="1" smtClean="0">
+                <a:solidFill>
+                  <a:schemeClr val="tx1"/>
+                </a:solidFill>
+                <a:effectLst/>
+                <a:latin typeface="+mn-lt"/>
+                <a:ea typeface="+mn-ea"/>
+                <a:cs typeface="+mn-cs"/>
+              </a:rPr>
+              <a:t>bacteroidetes</a:t>
+            </a:r>
+            <a:r>
+              <a:rPr lang="en-US" sz="1200" b="0" i="0" u="none" strike="noStrike" kern="1200" dirty="0" smtClean="0">
+                <a:solidFill>
+                  <a:schemeClr val="tx1"/>
+                </a:solidFill>
+                <a:effectLst/>
+                <a:latin typeface="+mn-lt"/>
+                <a:ea typeface="+mn-ea"/>
+                <a:cs typeface="+mn-cs"/>
+              </a:rPr>
+              <a:t> in 16S were assigned to different taxonomic ranks in </a:t>
+            </a:r>
+            <a:r>
+              <a:rPr lang="en-US" sz="1200" b="0" i="0" u="none" strike="noStrike" kern="1200" dirty="0" err="1" smtClean="0">
+                <a:solidFill>
+                  <a:schemeClr val="tx1"/>
+                </a:solidFill>
+                <a:effectLst/>
+                <a:latin typeface="+mn-lt"/>
+                <a:ea typeface="+mn-ea"/>
+                <a:cs typeface="+mn-cs"/>
+              </a:rPr>
+              <a:t>MiSeq</a:t>
+            </a:r>
+            <a:r>
+              <a:rPr lang="en-US" sz="1200" b="0" i="0" u="none" strike="noStrike" kern="1200" dirty="0" smtClean="0">
+                <a:solidFill>
+                  <a:schemeClr val="tx1"/>
+                </a:solidFill>
+                <a:effectLst/>
+                <a:latin typeface="+mn-lt"/>
+                <a:ea typeface="+mn-ea"/>
+                <a:cs typeface="+mn-cs"/>
+              </a:rPr>
+              <a:t> vs </a:t>
+            </a:r>
+            <a:r>
+              <a:rPr lang="en-US" sz="1200" b="0" i="0" u="none" strike="noStrike" kern="1200" dirty="0" err="1" smtClean="0">
+                <a:solidFill>
+                  <a:schemeClr val="tx1"/>
+                </a:solidFill>
+                <a:effectLst/>
+                <a:latin typeface="+mn-lt"/>
+                <a:ea typeface="+mn-ea"/>
+                <a:cs typeface="+mn-cs"/>
+              </a:rPr>
+              <a:t>HiSeq</a:t>
+            </a:r>
+            <a:r>
+              <a:rPr lang="en-US" sz="1200" b="0" i="0" u="none" strike="noStrike" kern="1200" dirty="0" smtClean="0">
+                <a:solidFill>
+                  <a:schemeClr val="tx1"/>
+                </a:solidFill>
+                <a:effectLst/>
+                <a:latin typeface="+mn-lt"/>
+                <a:ea typeface="+mn-ea"/>
+                <a:cs typeface="+mn-cs"/>
+              </a:rPr>
+              <a:t> reads. We manually checked concordance between </a:t>
+            </a:r>
+            <a:r>
+              <a:rPr lang="en-US" sz="1200" b="0" i="0" u="none" strike="noStrike" kern="1200" dirty="0" err="1" smtClean="0">
+                <a:solidFill>
+                  <a:schemeClr val="tx1"/>
+                </a:solidFill>
+                <a:effectLst/>
+                <a:latin typeface="+mn-lt"/>
+                <a:ea typeface="+mn-ea"/>
+                <a:cs typeface="+mn-cs"/>
+              </a:rPr>
+              <a:t>HiSeq</a:t>
+            </a:r>
+            <a:r>
+              <a:rPr lang="en-US" sz="1200" b="0" i="0" u="none" strike="noStrike" kern="1200" dirty="0" smtClean="0">
+                <a:solidFill>
+                  <a:schemeClr val="tx1"/>
+                </a:solidFill>
+                <a:effectLst/>
+                <a:latin typeface="+mn-lt"/>
+                <a:ea typeface="+mn-ea"/>
+                <a:cs typeface="+mn-cs"/>
+              </a:rPr>
+              <a:t> and </a:t>
+            </a:r>
+            <a:r>
+              <a:rPr lang="en-US" sz="1200" b="0" i="0" u="none" strike="noStrike" kern="1200" dirty="0" err="1" smtClean="0">
+                <a:solidFill>
+                  <a:schemeClr val="tx1"/>
+                </a:solidFill>
+                <a:effectLst/>
+                <a:latin typeface="+mn-lt"/>
+                <a:ea typeface="+mn-ea"/>
+                <a:cs typeface="+mn-cs"/>
+              </a:rPr>
+              <a:t>MiSeq</a:t>
+            </a:r>
+            <a:r>
+              <a:rPr lang="en-US" sz="1200" b="0" i="0" u="none" strike="noStrike" kern="1200" dirty="0" smtClean="0">
+                <a:solidFill>
+                  <a:schemeClr val="tx1"/>
+                </a:solidFill>
+                <a:effectLst/>
+                <a:latin typeface="+mn-lt"/>
+                <a:ea typeface="+mn-ea"/>
+                <a:cs typeface="+mn-cs"/>
+              </a:rPr>
+              <a:t> reads, collapsed the taxonomic ranks and merged reads manually.  Full taxonomic assignment and read count data is available in Supplementary figures (X and Y). </a:t>
+            </a:r>
+            <a:endParaRPr lang="en-US" b="0" dirty="0" smtClean="0">
+              <a:effectLst/>
+            </a:endParaRPr>
+          </a:p>
+          <a:p>
+            <a:r>
+              <a:rPr lang="en-US" dirty="0" smtClean="0"/>
+              <a:t/>
+            </a:r>
+            <a:br>
+              <a:rPr lang="en-US" dirty="0" smtClean="0"/>
+            </a:br>
+            <a:endParaRPr lang="en-US" dirty="0"/>
+          </a:p>
+        </p:txBody>
+      </p:sp>
+      <p:sp>
+        <p:nvSpPr>
+          <p:cNvPr id="4" name="Slide Number Placeholder 3"/>
+          <p:cNvSpPr>
+            <a:spLocks noGrp="1"/>
+          </p:cNvSpPr>
+          <p:nvPr>
+            <p:ph type="sldNum" sz="quarter" idx="10"/>
+          </p:nvPr>
+        </p:nvSpPr>
+        <p:spPr/>
+        <p:txBody>
+          <a:bodyPr/>
+          <a:lstStyle/>
+          <a:p>
+            <a:fld id="{B289C663-CE56-3044-BB3B-7865DF8465C4}" type="slidenum">
+              <a:rPr lang="en-US" smtClean="0"/>
+              <a:t>2</a:t>
+            </a:fld>
+            <a:endParaRPr lang="en-US"/>
+          </a:p>
+        </p:txBody>
+      </p:sp>
+    </p:spTree>
+    <p:extLst>
+      <p:ext uri="{BB962C8B-B14F-4D97-AF65-F5344CB8AC3E}">
+        <p14:creationId xmlns:p14="http://schemas.microsoft.com/office/powerpoint/2010/main" val="2127040732"/>
+      </p:ext>
+    </p:extLst>
+  </p:cSld>
+  <p:clrMapOvr>
+    <a:masterClrMapping/>
+  </p:clrMapOvr>
+</p:notes>
+</file>
+
 <file path=ppt/slideLayouts/slideLayout1.xml><?xml version="1.0" encoding="utf-8"?>
 <p:sldLayout xmlns:a="http://schemas.openxmlformats.org/drawingml/2006/main" xmlns:r="http://schemas.openxmlformats.org/officeDocument/2006/relationships" xmlns:p="http://schemas.openxmlformats.org/presentationml/2006/main" type="title" preserve="1">
   <p:cSld name="Title Slide">
@@ -984,7 +1383,7 @@
           <a:p>
             <a:fld id="{4E39F5C6-B6E9-1C49-870F-0029C30B25BE}" type="datetimeFigureOut">
               <a:rPr lang="en-US" smtClean="0"/>
-              <a:t>3/5/18</a:t>
+              <a:t>3/8/18</a:t>
             </a:fld>
             <a:endParaRPr lang="en-US"/>
           </a:p>
@@ -1149,7 +1548,7 @@
           <a:p>
             <a:fld id="{4E39F5C6-B6E9-1C49-870F-0029C30B25BE}" type="datetimeFigureOut">
               <a:rPr lang="en-US" smtClean="0"/>
-              <a:t>3/5/18</a:t>
+              <a:t>3/8/18</a:t>
             </a:fld>
             <a:endParaRPr lang="en-US"/>
           </a:p>
@@ -1324,7 +1723,7 @@
           <a:p>
             <a:fld id="{4E39F5C6-B6E9-1C49-870F-0029C30B25BE}" type="datetimeFigureOut">
               <a:rPr lang="en-US" smtClean="0"/>
-              <a:t>3/5/18</a:t>
+              <a:t>3/8/18</a:t>
             </a:fld>
             <a:endParaRPr lang="en-US"/>
           </a:p>
@@ -1489,7 +1888,7 @@
           <a:p>
             <a:fld id="{4E39F5C6-B6E9-1C49-870F-0029C30B25BE}" type="datetimeFigureOut">
               <a:rPr lang="en-US" smtClean="0"/>
-              <a:t>3/5/18</a:t>
+              <a:t>3/8/18</a:t>
             </a:fld>
             <a:endParaRPr lang="en-US"/>
           </a:p>
@@ -1728,7 +2127,7 @@
           <a:p>
             <a:fld id="{4E39F5C6-B6E9-1C49-870F-0029C30B25BE}" type="datetimeFigureOut">
               <a:rPr lang="en-US" smtClean="0"/>
-              <a:t>3/5/18</a:t>
+              <a:t>3/8/18</a:t>
             </a:fld>
             <a:endParaRPr lang="en-US"/>
           </a:p>
@@ -1955,7 +2354,7 @@
           <a:p>
             <a:fld id="{4E39F5C6-B6E9-1C49-870F-0029C30B25BE}" type="datetimeFigureOut">
               <a:rPr lang="en-US" smtClean="0"/>
-              <a:t>3/5/18</a:t>
+              <a:t>3/8/18</a:t>
             </a:fld>
             <a:endParaRPr lang="en-US"/>
           </a:p>
@@ -2317,7 +2716,7 @@
           <a:p>
             <a:fld id="{4E39F5C6-B6E9-1C49-870F-0029C30B25BE}" type="datetimeFigureOut">
               <a:rPr lang="en-US" smtClean="0"/>
-              <a:t>3/5/18</a:t>
+              <a:t>3/8/18</a:t>
             </a:fld>
             <a:endParaRPr lang="en-US"/>
           </a:p>
@@ -2430,7 +2829,7 @@
           <a:p>
             <a:fld id="{4E39F5C6-B6E9-1C49-870F-0029C30B25BE}" type="datetimeFigureOut">
               <a:rPr lang="en-US" smtClean="0"/>
-              <a:t>3/5/18</a:t>
+              <a:t>3/8/18</a:t>
             </a:fld>
             <a:endParaRPr lang="en-US"/>
           </a:p>
@@ -2520,7 +2919,7 @@
           <a:p>
             <a:fld id="{4E39F5C6-B6E9-1C49-870F-0029C30B25BE}" type="datetimeFigureOut">
               <a:rPr lang="en-US" smtClean="0"/>
-              <a:t>3/5/18</a:t>
+              <a:t>3/8/18</a:t>
             </a:fld>
             <a:endParaRPr lang="en-US"/>
           </a:p>
@@ -2792,7 +3191,7 @@
           <a:p>
             <a:fld id="{4E39F5C6-B6E9-1C49-870F-0029C30B25BE}" type="datetimeFigureOut">
               <a:rPr lang="en-US" smtClean="0"/>
-              <a:t>3/5/18</a:t>
+              <a:t>3/8/18</a:t>
             </a:fld>
             <a:endParaRPr lang="en-US"/>
           </a:p>
@@ -3044,7 +3443,7 @@
           <a:p>
             <a:fld id="{4E39F5C6-B6E9-1C49-870F-0029C30B25BE}" type="datetimeFigureOut">
               <a:rPr lang="en-US" smtClean="0"/>
-              <a:t>3/5/18</a:t>
+              <a:t>3/8/18</a:t>
             </a:fld>
             <a:endParaRPr lang="en-US"/>
           </a:p>
@@ -3252,7 +3651,7 @@
           <a:p>
             <a:fld id="{4E39F5C6-B6E9-1C49-870F-0029C30B25BE}" type="datetimeFigureOut">
               <a:rPr lang="en-US" smtClean="0"/>
-              <a:t>3/5/18</a:t>
+              <a:t>3/8/18</a:t>
             </a:fld>
             <a:endParaRPr lang="en-US"/>
           </a:p>
@@ -4857,709 +5256,13 @@
             </a:r>
             <a:r>
               <a:rPr lang="en-US" sz="1400" dirty="0" err="1" smtClean="0"/>
-              <a:t>H</a:t>
-            </a:r>
-            <a:r>
-              <a:rPr lang="en-US" sz="1400" dirty="0" err="1" smtClean="0"/>
-              <a:t>iSeq</a:t>
+              <a:t>HiSeq</a:t>
             </a:r>
             <a:r>
               <a:rPr lang="en-US" sz="1400" dirty="0" smtClean="0"/>
               <a:t> Length Mock Data Sets</a:t>
             </a:r>
             <a:endParaRPr lang="en-US" sz="1400" dirty="0"/>
-          </a:p>
-        </p:txBody>
-      </p:sp>
-      <p:sp>
-        <p:nvSpPr>
-          <p:cNvPr id="41" name="Oval 40"/>
-          <p:cNvSpPr/>
-          <p:nvPr/>
-        </p:nvSpPr>
-        <p:spPr>
-          <a:xfrm>
-            <a:off x="4337050" y="7826375"/>
-            <a:ext cx="101600" cy="105638"/>
-          </a:xfrm>
-          <a:prstGeom prst="ellipse">
-            <a:avLst/>
-          </a:prstGeom>
-          <a:solidFill>
-            <a:srgbClr val="7030A0"/>
-          </a:solidFill>
-          <a:ln>
-            <a:solidFill>
-              <a:srgbClr val="7030A0"/>
-            </a:solidFill>
-          </a:ln>
-        </p:spPr>
-        <p:style>
-          <a:lnRef idx="2">
-            <a:schemeClr val="accent1">
-              <a:shade val="50000"/>
-            </a:schemeClr>
-          </a:lnRef>
-          <a:fillRef idx="1">
-            <a:schemeClr val="accent1"/>
-          </a:fillRef>
-          <a:effectRef idx="0">
-            <a:schemeClr val="accent1"/>
-          </a:effectRef>
-          <a:fontRef idx="minor">
-            <a:schemeClr val="lt1"/>
-          </a:fontRef>
-        </p:style>
-        <p:txBody>
-          <a:bodyPr rtlCol="0" anchor="ctr"/>
-          <a:lstStyle/>
-          <a:p>
-            <a:pPr algn="ctr"/>
-            <a:endParaRPr lang="en-US"/>
-          </a:p>
-        </p:txBody>
-      </p:sp>
-      <p:sp>
-        <p:nvSpPr>
-          <p:cNvPr id="42" name="Oval 41"/>
-          <p:cNvSpPr/>
-          <p:nvPr/>
-        </p:nvSpPr>
-        <p:spPr>
-          <a:xfrm>
-            <a:off x="6835851" y="9221396"/>
-            <a:ext cx="101600" cy="105638"/>
-          </a:xfrm>
-          <a:prstGeom prst="ellipse">
-            <a:avLst/>
-          </a:prstGeom>
-          <a:solidFill>
-            <a:srgbClr val="7030A0"/>
-          </a:solidFill>
-          <a:ln>
-            <a:solidFill>
-              <a:srgbClr val="7030A0"/>
-            </a:solidFill>
-          </a:ln>
-        </p:spPr>
-        <p:style>
-          <a:lnRef idx="2">
-            <a:schemeClr val="accent1">
-              <a:shade val="50000"/>
-            </a:schemeClr>
-          </a:lnRef>
-          <a:fillRef idx="1">
-            <a:schemeClr val="accent1"/>
-          </a:fillRef>
-          <a:effectRef idx="0">
-            <a:schemeClr val="accent1"/>
-          </a:effectRef>
-          <a:fontRef idx="minor">
-            <a:schemeClr val="lt1"/>
-          </a:fontRef>
-        </p:style>
-        <p:txBody>
-          <a:bodyPr rtlCol="0" anchor="ctr"/>
-          <a:lstStyle/>
-          <a:p>
-            <a:pPr algn="ctr"/>
-            <a:endParaRPr lang="en-US"/>
-          </a:p>
-        </p:txBody>
-      </p:sp>
-      <p:sp>
-        <p:nvSpPr>
-          <p:cNvPr id="43" name="Oval 42"/>
-          <p:cNvSpPr/>
-          <p:nvPr/>
-        </p:nvSpPr>
-        <p:spPr>
-          <a:xfrm>
-            <a:off x="4271200" y="8262684"/>
-            <a:ext cx="101600" cy="105638"/>
-          </a:xfrm>
-          <a:prstGeom prst="ellipse">
-            <a:avLst/>
-          </a:prstGeom>
-          <a:solidFill>
-            <a:srgbClr val="00B0F0"/>
-          </a:solidFill>
-          <a:ln>
-            <a:solidFill>
-              <a:srgbClr val="00B0F0"/>
-            </a:solidFill>
-          </a:ln>
-        </p:spPr>
-        <p:style>
-          <a:lnRef idx="2">
-            <a:schemeClr val="accent1">
-              <a:shade val="50000"/>
-            </a:schemeClr>
-          </a:lnRef>
-          <a:fillRef idx="1">
-            <a:schemeClr val="accent1"/>
-          </a:fillRef>
-          <a:effectRef idx="0">
-            <a:schemeClr val="accent1"/>
-          </a:effectRef>
-          <a:fontRef idx="minor">
-            <a:schemeClr val="lt1"/>
-          </a:fontRef>
-        </p:style>
-        <p:txBody>
-          <a:bodyPr rtlCol="0" anchor="ctr"/>
-          <a:lstStyle/>
-          <a:p>
-            <a:pPr algn="ctr"/>
-            <a:endParaRPr lang="en-US"/>
-          </a:p>
-        </p:txBody>
-      </p:sp>
-      <p:sp>
-        <p:nvSpPr>
-          <p:cNvPr id="44" name="Oval 43"/>
-          <p:cNvSpPr/>
-          <p:nvPr/>
-        </p:nvSpPr>
-        <p:spPr>
-          <a:xfrm>
-            <a:off x="6089724" y="9233465"/>
-            <a:ext cx="101600" cy="105638"/>
-          </a:xfrm>
-          <a:prstGeom prst="ellipse">
-            <a:avLst/>
-          </a:prstGeom>
-          <a:solidFill>
-            <a:srgbClr val="00B0F0"/>
-          </a:solidFill>
-          <a:ln>
-            <a:solidFill>
-              <a:srgbClr val="00B0F0"/>
-            </a:solidFill>
-          </a:ln>
-        </p:spPr>
-        <p:style>
-          <a:lnRef idx="2">
-            <a:schemeClr val="accent1">
-              <a:shade val="50000"/>
-            </a:schemeClr>
-          </a:lnRef>
-          <a:fillRef idx="1">
-            <a:schemeClr val="accent1"/>
-          </a:fillRef>
-          <a:effectRef idx="0">
-            <a:schemeClr val="accent1"/>
-          </a:effectRef>
-          <a:fontRef idx="minor">
-            <a:schemeClr val="lt1"/>
-          </a:fontRef>
-        </p:style>
-        <p:txBody>
-          <a:bodyPr rtlCol="0" anchor="ctr"/>
-          <a:lstStyle/>
-          <a:p>
-            <a:pPr algn="ctr"/>
-            <a:endParaRPr lang="en-US"/>
-          </a:p>
-        </p:txBody>
-      </p:sp>
-      <p:sp>
-        <p:nvSpPr>
-          <p:cNvPr id="45" name="Oval 44"/>
-          <p:cNvSpPr/>
-          <p:nvPr/>
-        </p:nvSpPr>
-        <p:spPr>
-          <a:xfrm>
-            <a:off x="4267200" y="363956"/>
-            <a:ext cx="101600" cy="105638"/>
-          </a:xfrm>
-          <a:prstGeom prst="ellipse">
-            <a:avLst/>
-          </a:prstGeom>
-          <a:solidFill>
-            <a:srgbClr val="00B0F0"/>
-          </a:solidFill>
-          <a:ln>
-            <a:solidFill>
-              <a:srgbClr val="00B0F0"/>
-            </a:solidFill>
-          </a:ln>
-        </p:spPr>
-        <p:style>
-          <a:lnRef idx="2">
-            <a:schemeClr val="accent1">
-              <a:shade val="50000"/>
-            </a:schemeClr>
-          </a:lnRef>
-          <a:fillRef idx="1">
-            <a:schemeClr val="accent1"/>
-          </a:fillRef>
-          <a:effectRef idx="0">
-            <a:schemeClr val="accent1"/>
-          </a:effectRef>
-          <a:fontRef idx="minor">
-            <a:schemeClr val="lt1"/>
-          </a:fontRef>
-        </p:style>
-        <p:txBody>
-          <a:bodyPr rtlCol="0" anchor="ctr"/>
-          <a:lstStyle/>
-          <a:p>
-            <a:pPr algn="ctr"/>
-            <a:endParaRPr lang="en-US"/>
-          </a:p>
-        </p:txBody>
-      </p:sp>
-      <p:sp>
-        <p:nvSpPr>
-          <p:cNvPr id="46" name="Oval 45"/>
-          <p:cNvSpPr/>
-          <p:nvPr/>
-        </p:nvSpPr>
-        <p:spPr>
-          <a:xfrm>
-            <a:off x="6832954" y="1759835"/>
-            <a:ext cx="101600" cy="105638"/>
-          </a:xfrm>
-          <a:prstGeom prst="ellipse">
-            <a:avLst/>
-          </a:prstGeom>
-          <a:solidFill>
-            <a:srgbClr val="00B0F0"/>
-          </a:solidFill>
-          <a:ln>
-            <a:solidFill>
-              <a:srgbClr val="00B0F0"/>
-            </a:solidFill>
-          </a:ln>
-        </p:spPr>
-        <p:style>
-          <a:lnRef idx="2">
-            <a:schemeClr val="accent1">
-              <a:shade val="50000"/>
-            </a:schemeClr>
-          </a:lnRef>
-          <a:fillRef idx="1">
-            <a:schemeClr val="accent1"/>
-          </a:fillRef>
-          <a:effectRef idx="0">
-            <a:schemeClr val="accent1"/>
-          </a:effectRef>
-          <a:fontRef idx="minor">
-            <a:schemeClr val="lt1"/>
-          </a:fontRef>
-        </p:style>
-        <p:txBody>
-          <a:bodyPr rtlCol="0" anchor="ctr"/>
-          <a:lstStyle/>
-          <a:p>
-            <a:pPr algn="ctr"/>
-            <a:endParaRPr lang="en-US"/>
-          </a:p>
-        </p:txBody>
-      </p:sp>
-      <p:sp>
-        <p:nvSpPr>
-          <p:cNvPr id="47" name="Oval 46"/>
-          <p:cNvSpPr/>
-          <p:nvPr/>
-        </p:nvSpPr>
-        <p:spPr>
-          <a:xfrm>
-            <a:off x="3662756" y="370680"/>
-            <a:ext cx="101600" cy="105638"/>
-          </a:xfrm>
-          <a:prstGeom prst="ellipse">
-            <a:avLst/>
-          </a:prstGeom>
-          <a:solidFill>
-            <a:srgbClr val="7030A0"/>
-          </a:solidFill>
-          <a:ln>
-            <a:solidFill>
-              <a:srgbClr val="7030A0"/>
-            </a:solidFill>
-          </a:ln>
-        </p:spPr>
-        <p:style>
-          <a:lnRef idx="2">
-            <a:schemeClr val="accent1">
-              <a:shade val="50000"/>
-            </a:schemeClr>
-          </a:lnRef>
-          <a:fillRef idx="1">
-            <a:schemeClr val="accent1"/>
-          </a:fillRef>
-          <a:effectRef idx="0">
-            <a:schemeClr val="accent1"/>
-          </a:effectRef>
-          <a:fontRef idx="minor">
-            <a:schemeClr val="lt1"/>
-          </a:fontRef>
-        </p:style>
-        <p:txBody>
-          <a:bodyPr rtlCol="0" anchor="ctr"/>
-          <a:lstStyle/>
-          <a:p>
-            <a:pPr algn="ctr"/>
-            <a:endParaRPr lang="en-US"/>
-          </a:p>
-        </p:txBody>
-      </p:sp>
-      <p:sp>
-        <p:nvSpPr>
-          <p:cNvPr id="48" name="Oval 47"/>
-          <p:cNvSpPr/>
-          <p:nvPr/>
-        </p:nvSpPr>
-        <p:spPr>
-          <a:xfrm>
-            <a:off x="3512750" y="1732012"/>
-            <a:ext cx="101600" cy="105638"/>
-          </a:xfrm>
-          <a:prstGeom prst="ellipse">
-            <a:avLst/>
-          </a:prstGeom>
-          <a:solidFill>
-            <a:srgbClr val="7030A0"/>
-          </a:solidFill>
-          <a:ln>
-            <a:solidFill>
-              <a:srgbClr val="7030A0"/>
-            </a:solidFill>
-          </a:ln>
-        </p:spPr>
-        <p:style>
-          <a:lnRef idx="2">
-            <a:schemeClr val="accent1">
-              <a:shade val="50000"/>
-            </a:schemeClr>
-          </a:lnRef>
-          <a:fillRef idx="1">
-            <a:schemeClr val="accent1"/>
-          </a:fillRef>
-          <a:effectRef idx="0">
-            <a:schemeClr val="accent1"/>
-          </a:effectRef>
-          <a:fontRef idx="minor">
-            <a:schemeClr val="lt1"/>
-          </a:fontRef>
-        </p:style>
-        <p:txBody>
-          <a:bodyPr rtlCol="0" anchor="ctr"/>
-          <a:lstStyle/>
-          <a:p>
-            <a:pPr algn="ctr"/>
-            <a:endParaRPr lang="en-US"/>
-          </a:p>
-        </p:txBody>
-      </p:sp>
-      <p:sp>
-        <p:nvSpPr>
-          <p:cNvPr id="50" name="Oval 49"/>
-          <p:cNvSpPr/>
-          <p:nvPr/>
-        </p:nvSpPr>
-        <p:spPr>
-          <a:xfrm>
-            <a:off x="6320337" y="4097291"/>
-            <a:ext cx="101600" cy="105638"/>
-          </a:xfrm>
-          <a:prstGeom prst="ellipse">
-            <a:avLst/>
-          </a:prstGeom>
-          <a:solidFill>
-            <a:srgbClr val="7030A0"/>
-          </a:solidFill>
-          <a:ln>
-            <a:solidFill>
-              <a:srgbClr val="7030A0"/>
-            </a:solidFill>
-          </a:ln>
-        </p:spPr>
-        <p:style>
-          <a:lnRef idx="2">
-            <a:schemeClr val="accent1">
-              <a:shade val="50000"/>
-            </a:schemeClr>
-          </a:lnRef>
-          <a:fillRef idx="1">
-            <a:schemeClr val="accent1"/>
-          </a:fillRef>
-          <a:effectRef idx="0">
-            <a:schemeClr val="accent1"/>
-          </a:effectRef>
-          <a:fontRef idx="minor">
-            <a:schemeClr val="lt1"/>
-          </a:fontRef>
-        </p:style>
-        <p:txBody>
-          <a:bodyPr rtlCol="0" anchor="ctr"/>
-          <a:lstStyle/>
-          <a:p>
-            <a:pPr algn="ctr"/>
-            <a:endParaRPr lang="en-US"/>
-          </a:p>
-        </p:txBody>
-      </p:sp>
-      <p:sp>
-        <p:nvSpPr>
-          <p:cNvPr id="51" name="Oval 50"/>
-          <p:cNvSpPr/>
-          <p:nvPr/>
-        </p:nvSpPr>
-        <p:spPr>
-          <a:xfrm>
-            <a:off x="6567737" y="4273441"/>
-            <a:ext cx="101600" cy="105638"/>
-          </a:xfrm>
-          <a:prstGeom prst="ellipse">
-            <a:avLst/>
-          </a:prstGeom>
-          <a:solidFill>
-            <a:srgbClr val="7030A0"/>
-          </a:solidFill>
-          <a:ln>
-            <a:solidFill>
-              <a:srgbClr val="7030A0"/>
-            </a:solidFill>
-          </a:ln>
-        </p:spPr>
-        <p:style>
-          <a:lnRef idx="2">
-            <a:schemeClr val="accent1">
-              <a:shade val="50000"/>
-            </a:schemeClr>
-          </a:lnRef>
-          <a:fillRef idx="1">
-            <a:schemeClr val="accent1"/>
-          </a:fillRef>
-          <a:effectRef idx="0">
-            <a:schemeClr val="accent1"/>
-          </a:effectRef>
-          <a:fontRef idx="minor">
-            <a:schemeClr val="lt1"/>
-          </a:fontRef>
-        </p:style>
-        <p:txBody>
-          <a:bodyPr rtlCol="0" anchor="ctr"/>
-          <a:lstStyle/>
-          <a:p>
-            <a:pPr algn="ctr"/>
-            <a:endParaRPr lang="en-US"/>
-          </a:p>
-        </p:txBody>
-      </p:sp>
-      <p:sp>
-        <p:nvSpPr>
-          <p:cNvPr id="52" name="Oval 51"/>
-          <p:cNvSpPr/>
-          <p:nvPr/>
-        </p:nvSpPr>
-        <p:spPr>
-          <a:xfrm>
-            <a:off x="4562791" y="1769735"/>
-            <a:ext cx="101600" cy="105638"/>
-          </a:xfrm>
-          <a:prstGeom prst="ellipse">
-            <a:avLst/>
-          </a:prstGeom>
-          <a:solidFill>
-            <a:schemeClr val="accent6">
-              <a:lumMod val="75000"/>
-            </a:schemeClr>
-          </a:solidFill>
-          <a:ln>
-            <a:solidFill>
-              <a:schemeClr val="accent6">
-                <a:lumMod val="75000"/>
-              </a:schemeClr>
-            </a:solidFill>
-          </a:ln>
-        </p:spPr>
-        <p:style>
-          <a:lnRef idx="2">
-            <a:schemeClr val="accent1">
-              <a:shade val="50000"/>
-            </a:schemeClr>
-          </a:lnRef>
-          <a:fillRef idx="1">
-            <a:schemeClr val="accent1"/>
-          </a:fillRef>
-          <a:effectRef idx="0">
-            <a:schemeClr val="accent1"/>
-          </a:effectRef>
-          <a:fontRef idx="minor">
-            <a:schemeClr val="lt1"/>
-          </a:fontRef>
-        </p:style>
-        <p:txBody>
-          <a:bodyPr rtlCol="0" anchor="ctr"/>
-          <a:lstStyle/>
-          <a:p>
-            <a:pPr algn="ctr"/>
-            <a:endParaRPr lang="en-US"/>
-          </a:p>
-        </p:txBody>
-      </p:sp>
-      <p:sp>
-        <p:nvSpPr>
-          <p:cNvPr id="53" name="Oval 52"/>
-          <p:cNvSpPr/>
-          <p:nvPr/>
-        </p:nvSpPr>
-        <p:spPr>
-          <a:xfrm>
-            <a:off x="4275803" y="1613376"/>
-            <a:ext cx="101600" cy="105638"/>
-          </a:xfrm>
-          <a:prstGeom prst="ellipse">
-            <a:avLst/>
-          </a:prstGeom>
-          <a:solidFill>
-            <a:schemeClr val="accent6">
-              <a:lumMod val="75000"/>
-            </a:schemeClr>
-          </a:solidFill>
-          <a:ln>
-            <a:solidFill>
-              <a:schemeClr val="accent6">
-                <a:lumMod val="75000"/>
-              </a:schemeClr>
-            </a:solidFill>
-          </a:ln>
-        </p:spPr>
-        <p:style>
-          <a:lnRef idx="2">
-            <a:schemeClr val="accent1">
-              <a:shade val="50000"/>
-            </a:schemeClr>
-          </a:lnRef>
-          <a:fillRef idx="1">
-            <a:schemeClr val="accent1"/>
-          </a:fillRef>
-          <a:effectRef idx="0">
-            <a:schemeClr val="accent1"/>
-          </a:effectRef>
-          <a:fontRef idx="minor">
-            <a:schemeClr val="lt1"/>
-          </a:fontRef>
-        </p:style>
-        <p:txBody>
-          <a:bodyPr rtlCol="0" anchor="ctr"/>
-          <a:lstStyle/>
-          <a:p>
-            <a:pPr algn="ctr"/>
-            <a:endParaRPr lang="en-US">
-              <a:solidFill>
-                <a:schemeClr val="accent6">
-                  <a:lumMod val="75000"/>
-                </a:schemeClr>
-              </a:solidFill>
-            </a:endParaRPr>
-          </a:p>
-        </p:txBody>
-      </p:sp>
-      <p:sp>
-        <p:nvSpPr>
-          <p:cNvPr id="54" name="Oval 53"/>
-          <p:cNvSpPr/>
-          <p:nvPr/>
-        </p:nvSpPr>
-        <p:spPr>
-          <a:xfrm>
-            <a:off x="4528364" y="1774930"/>
-            <a:ext cx="101600" cy="105638"/>
-          </a:xfrm>
-          <a:prstGeom prst="ellipse">
-            <a:avLst/>
-          </a:prstGeom>
-          <a:solidFill>
-            <a:srgbClr val="7030A0"/>
-          </a:solidFill>
-          <a:ln>
-            <a:solidFill>
-              <a:srgbClr val="7030A0"/>
-            </a:solidFill>
-          </a:ln>
-        </p:spPr>
-        <p:style>
-          <a:lnRef idx="2">
-            <a:schemeClr val="accent1">
-              <a:shade val="50000"/>
-            </a:schemeClr>
-          </a:lnRef>
-          <a:fillRef idx="1">
-            <a:schemeClr val="accent1"/>
-          </a:fillRef>
-          <a:effectRef idx="0">
-            <a:schemeClr val="accent1"/>
-          </a:effectRef>
-          <a:fontRef idx="minor">
-            <a:schemeClr val="lt1"/>
-          </a:fontRef>
-        </p:style>
-        <p:txBody>
-          <a:bodyPr rtlCol="0" anchor="ctr"/>
-          <a:lstStyle/>
-          <a:p>
-            <a:pPr algn="ctr"/>
-            <a:endParaRPr lang="en-US">
-              <a:solidFill>
-                <a:schemeClr val="accent6">
-                  <a:lumMod val="75000"/>
-                </a:schemeClr>
-              </a:solidFill>
-            </a:endParaRPr>
-          </a:p>
-        </p:txBody>
-      </p:sp>
-      <p:sp>
-        <p:nvSpPr>
-          <p:cNvPr id="55" name="Oval 54"/>
-          <p:cNvSpPr/>
-          <p:nvPr/>
-        </p:nvSpPr>
-        <p:spPr>
-          <a:xfrm>
-            <a:off x="4257251" y="1631271"/>
-            <a:ext cx="101600" cy="105638"/>
-          </a:xfrm>
-          <a:prstGeom prst="ellipse">
-            <a:avLst/>
-          </a:prstGeom>
-          <a:solidFill>
-            <a:srgbClr val="7030A0"/>
-          </a:solidFill>
-          <a:ln>
-            <a:solidFill>
-              <a:srgbClr val="7030A0"/>
-            </a:solidFill>
-          </a:ln>
-        </p:spPr>
-        <p:style>
-          <a:lnRef idx="2">
-            <a:schemeClr val="accent1">
-              <a:shade val="50000"/>
-            </a:schemeClr>
-          </a:lnRef>
-          <a:fillRef idx="1">
-            <a:schemeClr val="accent1"/>
-          </a:fillRef>
-          <a:effectRef idx="0">
-            <a:schemeClr val="accent1"/>
-          </a:effectRef>
-          <a:fontRef idx="minor">
-            <a:schemeClr val="lt1"/>
-          </a:fontRef>
-        </p:style>
-        <p:txBody>
-          <a:bodyPr rtlCol="0" anchor="ctr"/>
-          <a:lstStyle/>
-          <a:p>
-            <a:pPr algn="ctr"/>
-            <a:endParaRPr lang="en-US"/>
           </a:p>
         </p:txBody>
       </p:sp>
@@ -5567,6 +5270,739 @@
     <p:extLst>
       <p:ext uri="{BB962C8B-B14F-4D97-AF65-F5344CB8AC3E}">
         <p14:creationId xmlns:p14="http://schemas.microsoft.com/office/powerpoint/2010/main" val="1773860247"/>
+      </p:ext>
+    </p:extLst>
+  </p:cSld>
+  <p:clrMapOvr>
+    <a:masterClrMapping/>
+  </p:clrMapOvr>
+  <p:timing>
+    <p:tnLst>
+      <p:par>
+        <p:cTn id="1" dur="indefinite" restart="never" nodeType="tmRoot"/>
+      </p:par>
+    </p:tnLst>
+  </p:timing>
+</p:sld>
+</file>
+
+<file path=ppt/slides/slide2.xml><?xml version="1.0" encoding="utf-8"?>
+<p:sld xmlns:a="http://schemas.openxmlformats.org/drawingml/2006/main" xmlns:r="http://schemas.openxmlformats.org/officeDocument/2006/relationships" xmlns:p="http://schemas.openxmlformats.org/presentationml/2006/main">
+  <p:cSld>
+    <p:spTree>
+      <p:nvGrpSpPr>
+        <p:cNvPr id="1" name=""/>
+        <p:cNvGrpSpPr/>
+        <p:nvPr/>
+      </p:nvGrpSpPr>
+      <p:grpSpPr>
+        <a:xfrm>
+          <a:off x="0" y="0"/>
+          <a:ext cx="0" cy="0"/>
+          <a:chOff x="0" y="0"/>
+          <a:chExt cx="0" cy="0"/>
+        </a:xfrm>
+      </p:grpSpPr>
+      <p:pic>
+        <p:nvPicPr>
+          <p:cNvPr id="24" name="Picture 23"/>
+          <p:cNvPicPr>
+            <a:picLocks noChangeAspect="1"/>
+          </p:cNvPicPr>
+          <p:nvPr/>
+        </p:nvPicPr>
+        <p:blipFill rotWithShape="1">
+          <a:blip r:embed="rId3">
+            <a:extLst>
+              <a:ext uri="{28A0092B-C50C-407E-A947-70E740481C1C}">
+                <a14:useLocalDpi xmlns:a14="http://schemas.microsoft.com/office/drawing/2010/main" val="0"/>
+              </a:ext>
+            </a:extLst>
+          </a:blip>
+          <a:srcRect l="5565" t="14419" r="4734" b="12093"/>
+          <a:stretch/>
+        </p:blipFill>
+        <p:spPr>
+          <a:xfrm>
+            <a:off x="4011564" y="314631"/>
+            <a:ext cx="3019076" cy="1766718"/>
+          </a:xfrm>
+          <a:prstGeom prst="rect">
+            <a:avLst/>
+          </a:prstGeom>
+        </p:spPr>
+      </p:pic>
+      <p:sp>
+        <p:nvSpPr>
+          <p:cNvPr id="39" name="TextBox 38"/>
+          <p:cNvSpPr txBox="1"/>
+          <p:nvPr/>
+        </p:nvSpPr>
+        <p:spPr>
+          <a:xfrm>
+            <a:off x="1042910" y="9564189"/>
+            <a:ext cx="5987730" cy="307777"/>
+          </a:xfrm>
+          <a:prstGeom prst="rect">
+            <a:avLst/>
+          </a:prstGeom>
+          <a:noFill/>
+        </p:spPr>
+        <p:txBody>
+          <a:bodyPr wrap="square" rtlCol="0">
+            <a:spAutoFit/>
+          </a:bodyPr>
+          <a:lstStyle/>
+          <a:p>
+            <a:pPr algn="ctr"/>
+            <a:r>
+              <a:rPr lang="en-US" sz="1400" dirty="0" smtClean="0"/>
+              <a:t>Relative Counts of Taxa for </a:t>
+            </a:r>
+            <a:r>
+              <a:rPr lang="en-US" sz="1400" dirty="0" err="1" smtClean="0"/>
+              <a:t>MiSeq</a:t>
+            </a:r>
+            <a:r>
+              <a:rPr lang="en-US" sz="1400" dirty="0" smtClean="0"/>
+              <a:t> Length Mock Data Sets</a:t>
+            </a:r>
+            <a:endParaRPr lang="en-US" sz="1400" dirty="0"/>
+          </a:p>
+        </p:txBody>
+      </p:sp>
+      <p:sp>
+        <p:nvSpPr>
+          <p:cNvPr id="40" name="Rectangle 39"/>
+          <p:cNvSpPr/>
+          <p:nvPr/>
+        </p:nvSpPr>
+        <p:spPr>
+          <a:xfrm rot="16200000">
+            <a:off x="-3866966" y="4671293"/>
+            <a:ext cx="9021102" cy="307777"/>
+          </a:xfrm>
+          <a:prstGeom prst="rect">
+            <a:avLst/>
+          </a:prstGeom>
+        </p:spPr>
+        <p:txBody>
+          <a:bodyPr wrap="square">
+            <a:spAutoFit/>
+          </a:bodyPr>
+          <a:lstStyle/>
+          <a:p>
+            <a:pPr algn="ctr"/>
+            <a:r>
+              <a:rPr lang="en-US" sz="1400" dirty="0" smtClean="0"/>
+              <a:t>Relative Counts of Taxa for </a:t>
+            </a:r>
+            <a:r>
+              <a:rPr lang="en-US" sz="1400" dirty="0" err="1" smtClean="0"/>
+              <a:t>HiSeq</a:t>
+            </a:r>
+            <a:r>
+              <a:rPr lang="en-US" sz="1400" dirty="0" smtClean="0"/>
+              <a:t> Length Mock Data Sets</a:t>
+            </a:r>
+            <a:endParaRPr lang="en-US" sz="1400" dirty="0"/>
+          </a:p>
+        </p:txBody>
+      </p:sp>
+      <p:pic>
+        <p:nvPicPr>
+          <p:cNvPr id="41" name="Picture 40"/>
+          <p:cNvPicPr>
+            <a:picLocks noChangeAspect="1"/>
+          </p:cNvPicPr>
+          <p:nvPr/>
+        </p:nvPicPr>
+        <p:blipFill rotWithShape="1">
+          <a:blip r:embed="rId4">
+            <a:extLst>
+              <a:ext uri="{28A0092B-C50C-407E-A947-70E740481C1C}">
+                <a14:useLocalDpi xmlns:a14="http://schemas.microsoft.com/office/drawing/2010/main" val="0"/>
+              </a:ext>
+            </a:extLst>
+          </a:blip>
+          <a:srcRect l="5317" t="14865" r="4841" b="11580"/>
+          <a:stretch/>
+        </p:blipFill>
+        <p:spPr>
+          <a:xfrm>
+            <a:off x="4001731" y="326994"/>
+            <a:ext cx="3028909" cy="1771323"/>
+          </a:xfrm>
+          <a:prstGeom prst="rect">
+            <a:avLst/>
+          </a:prstGeom>
+        </p:spPr>
+      </p:pic>
+      <p:sp>
+        <p:nvSpPr>
+          <p:cNvPr id="42" name="TextBox 41"/>
+          <p:cNvSpPr txBox="1"/>
+          <p:nvPr/>
+        </p:nvSpPr>
+        <p:spPr>
+          <a:xfrm>
+            <a:off x="4183281" y="402634"/>
+            <a:ext cx="575542" cy="369332"/>
+          </a:xfrm>
+          <a:prstGeom prst="rect">
+            <a:avLst/>
+          </a:prstGeom>
+          <a:noFill/>
+        </p:spPr>
+        <p:txBody>
+          <a:bodyPr wrap="none" rtlCol="0">
+            <a:spAutoFit/>
+          </a:bodyPr>
+          <a:lstStyle/>
+          <a:p>
+            <a:r>
+              <a:rPr lang="en-US" dirty="0" smtClean="0"/>
+              <a:t>CO1</a:t>
+            </a:r>
+            <a:endParaRPr lang="en-US" dirty="0"/>
+          </a:p>
+        </p:txBody>
+      </p:sp>
+      <p:pic>
+        <p:nvPicPr>
+          <p:cNvPr id="3" name="Picture 2"/>
+          <p:cNvPicPr>
+            <a:picLocks noChangeAspect="1"/>
+          </p:cNvPicPr>
+          <p:nvPr/>
+        </p:nvPicPr>
+        <p:blipFill rotWithShape="1">
+          <a:blip r:embed="rId5">
+            <a:extLst>
+              <a:ext uri="{28A0092B-C50C-407E-A947-70E740481C1C}">
+                <a14:useLocalDpi xmlns:a14="http://schemas.microsoft.com/office/drawing/2010/main" val="0"/>
+              </a:ext>
+            </a:extLst>
+          </a:blip>
+          <a:srcRect l="5279" t="12942" r="4086" b="11120"/>
+          <a:stretch/>
+        </p:blipFill>
+        <p:spPr>
+          <a:xfrm>
+            <a:off x="842721" y="286354"/>
+            <a:ext cx="3048679" cy="1824524"/>
+          </a:xfrm>
+          <a:prstGeom prst="rect">
+            <a:avLst/>
+          </a:prstGeom>
+        </p:spPr>
+      </p:pic>
+      <p:sp>
+        <p:nvSpPr>
+          <p:cNvPr id="45" name="TextBox 44"/>
+          <p:cNvSpPr txBox="1"/>
+          <p:nvPr/>
+        </p:nvSpPr>
+        <p:spPr>
+          <a:xfrm>
+            <a:off x="1055709" y="402634"/>
+            <a:ext cx="524503" cy="369332"/>
+          </a:xfrm>
+          <a:prstGeom prst="rect">
+            <a:avLst/>
+          </a:prstGeom>
+          <a:noFill/>
+        </p:spPr>
+        <p:txBody>
+          <a:bodyPr wrap="none" rtlCol="0">
+            <a:spAutoFit/>
+          </a:bodyPr>
+          <a:lstStyle/>
+          <a:p>
+            <a:r>
+              <a:rPr lang="en-US" dirty="0" smtClean="0"/>
+              <a:t>16S</a:t>
+            </a:r>
+            <a:endParaRPr lang="en-US" dirty="0"/>
+          </a:p>
+        </p:txBody>
+      </p:sp>
+      <p:pic>
+        <p:nvPicPr>
+          <p:cNvPr id="5" name="Picture 4"/>
+          <p:cNvPicPr>
+            <a:picLocks noChangeAspect="1"/>
+          </p:cNvPicPr>
+          <p:nvPr/>
+        </p:nvPicPr>
+        <p:blipFill rotWithShape="1">
+          <a:blip r:embed="rId6">
+            <a:extLst>
+              <a:ext uri="{28A0092B-C50C-407E-A947-70E740481C1C}">
+                <a14:useLocalDpi xmlns:a14="http://schemas.microsoft.com/office/drawing/2010/main" val="0"/>
+              </a:ext>
+            </a:extLst>
+          </a:blip>
+          <a:srcRect l="5579" t="14989" r="5159" b="11333"/>
+          <a:stretch/>
+        </p:blipFill>
+        <p:spPr>
+          <a:xfrm>
+            <a:off x="842721" y="2130939"/>
+            <a:ext cx="2999518" cy="1768437"/>
+          </a:xfrm>
+          <a:prstGeom prst="rect">
+            <a:avLst/>
+          </a:prstGeom>
+        </p:spPr>
+      </p:pic>
+      <p:sp>
+        <p:nvSpPr>
+          <p:cNvPr id="46" name="TextBox 45"/>
+          <p:cNvSpPr txBox="1"/>
+          <p:nvPr/>
+        </p:nvSpPr>
+        <p:spPr>
+          <a:xfrm>
+            <a:off x="1055708" y="2175452"/>
+            <a:ext cx="1433406" cy="369332"/>
+          </a:xfrm>
+          <a:prstGeom prst="rect">
+            <a:avLst/>
+          </a:prstGeom>
+          <a:noFill/>
+        </p:spPr>
+        <p:txBody>
+          <a:bodyPr wrap="none" rtlCol="0">
+            <a:spAutoFit/>
+          </a:bodyPr>
+          <a:lstStyle/>
+          <a:p>
+            <a:r>
+              <a:rPr lang="en-US" dirty="0" smtClean="0"/>
+              <a:t>18S V4 MC11</a:t>
+            </a:r>
+            <a:endParaRPr lang="en-US" dirty="0"/>
+          </a:p>
+        </p:txBody>
+      </p:sp>
+      <p:pic>
+        <p:nvPicPr>
+          <p:cNvPr id="11" name="Picture 10"/>
+          <p:cNvPicPr>
+            <a:picLocks noChangeAspect="1"/>
+          </p:cNvPicPr>
+          <p:nvPr/>
+        </p:nvPicPr>
+        <p:blipFill rotWithShape="1">
+          <a:blip r:embed="rId7">
+            <a:extLst>
+              <a:ext uri="{28A0092B-C50C-407E-A947-70E740481C1C}">
+                <a14:useLocalDpi xmlns:a14="http://schemas.microsoft.com/office/drawing/2010/main" val="0"/>
+              </a:ext>
+            </a:extLst>
+          </a:blip>
+          <a:srcRect l="5579" t="14619" r="5001" b="11333"/>
+          <a:stretch/>
+        </p:blipFill>
+        <p:spPr>
+          <a:xfrm>
+            <a:off x="4001731" y="2119038"/>
+            <a:ext cx="3028909" cy="1791575"/>
+          </a:xfrm>
+          <a:prstGeom prst="rect">
+            <a:avLst/>
+          </a:prstGeom>
+        </p:spPr>
+      </p:pic>
+      <p:sp>
+        <p:nvSpPr>
+          <p:cNvPr id="47" name="TextBox 46"/>
+          <p:cNvSpPr txBox="1"/>
+          <p:nvPr/>
+        </p:nvSpPr>
+        <p:spPr>
+          <a:xfrm>
+            <a:off x="4183281" y="2175452"/>
+            <a:ext cx="1620957" cy="369332"/>
+          </a:xfrm>
+          <a:prstGeom prst="rect">
+            <a:avLst/>
+          </a:prstGeom>
+          <a:noFill/>
+        </p:spPr>
+        <p:txBody>
+          <a:bodyPr wrap="none" rtlCol="0">
+            <a:spAutoFit/>
+          </a:bodyPr>
+          <a:lstStyle/>
+          <a:p>
+            <a:r>
+              <a:rPr lang="en-US" dirty="0" smtClean="0"/>
+              <a:t>18S V8-9 MC11</a:t>
+            </a:r>
+            <a:endParaRPr lang="en-US" dirty="0"/>
+          </a:p>
+        </p:txBody>
+      </p:sp>
+      <p:pic>
+        <p:nvPicPr>
+          <p:cNvPr id="21" name="Picture 20"/>
+          <p:cNvPicPr>
+            <a:picLocks noChangeAspect="1"/>
+          </p:cNvPicPr>
+          <p:nvPr/>
+        </p:nvPicPr>
+        <p:blipFill rotWithShape="1">
+          <a:blip r:embed="rId8">
+            <a:extLst>
+              <a:ext uri="{28A0092B-C50C-407E-A947-70E740481C1C}">
+                <a14:useLocalDpi xmlns:a14="http://schemas.microsoft.com/office/drawing/2010/main" val="0"/>
+              </a:ext>
+            </a:extLst>
+          </a:blip>
+          <a:srcRect l="5885" t="15322" r="5331" b="11789"/>
+          <a:stretch/>
+        </p:blipFill>
+        <p:spPr>
+          <a:xfrm>
+            <a:off x="4020740" y="3969162"/>
+            <a:ext cx="2999740" cy="1759082"/>
+          </a:xfrm>
+          <a:prstGeom prst="rect">
+            <a:avLst/>
+          </a:prstGeom>
+        </p:spPr>
+      </p:pic>
+      <p:sp>
+        <p:nvSpPr>
+          <p:cNvPr id="49" name="TextBox 48"/>
+          <p:cNvSpPr txBox="1"/>
+          <p:nvPr/>
+        </p:nvSpPr>
+        <p:spPr>
+          <a:xfrm>
+            <a:off x="4183281" y="3960567"/>
+            <a:ext cx="1620957" cy="369332"/>
+          </a:xfrm>
+          <a:prstGeom prst="rect">
+            <a:avLst/>
+          </a:prstGeom>
+          <a:noFill/>
+        </p:spPr>
+        <p:txBody>
+          <a:bodyPr wrap="none" rtlCol="0">
+            <a:spAutoFit/>
+          </a:bodyPr>
+          <a:lstStyle/>
+          <a:p>
+            <a:r>
+              <a:rPr lang="en-US" dirty="0" smtClean="0"/>
+              <a:t>18S V8-9 MC21</a:t>
+            </a:r>
+            <a:endParaRPr lang="en-US" dirty="0"/>
+          </a:p>
+        </p:txBody>
+      </p:sp>
+      <p:pic>
+        <p:nvPicPr>
+          <p:cNvPr id="51" name="Picture 50"/>
+          <p:cNvPicPr>
+            <a:picLocks noChangeAspect="1"/>
+          </p:cNvPicPr>
+          <p:nvPr/>
+        </p:nvPicPr>
+        <p:blipFill rotWithShape="1">
+          <a:blip r:embed="rId9">
+            <a:extLst>
+              <a:ext uri="{28A0092B-C50C-407E-A947-70E740481C1C}">
+                <a14:useLocalDpi xmlns:a14="http://schemas.microsoft.com/office/drawing/2010/main" val="0"/>
+              </a:ext>
+            </a:extLst>
+          </a:blip>
+          <a:srcRect l="5579" t="14619" r="5159" b="11778"/>
+          <a:stretch/>
+        </p:blipFill>
+        <p:spPr>
+          <a:xfrm>
+            <a:off x="4016455" y="5827955"/>
+            <a:ext cx="3018749" cy="1778004"/>
+          </a:xfrm>
+          <a:prstGeom prst="rect">
+            <a:avLst/>
+          </a:prstGeom>
+        </p:spPr>
+      </p:pic>
+      <p:sp>
+        <p:nvSpPr>
+          <p:cNvPr id="53" name="TextBox 52"/>
+          <p:cNvSpPr txBox="1"/>
+          <p:nvPr/>
+        </p:nvSpPr>
+        <p:spPr>
+          <a:xfrm>
+            <a:off x="4183281" y="5832110"/>
+            <a:ext cx="1620957" cy="369332"/>
+          </a:xfrm>
+          <a:prstGeom prst="rect">
+            <a:avLst/>
+          </a:prstGeom>
+          <a:noFill/>
+        </p:spPr>
+        <p:txBody>
+          <a:bodyPr wrap="none" rtlCol="0">
+            <a:spAutoFit/>
+          </a:bodyPr>
+          <a:lstStyle/>
+          <a:p>
+            <a:r>
+              <a:rPr lang="en-US" dirty="0" smtClean="0"/>
+              <a:t>18S V8-9 MC51</a:t>
+            </a:r>
+            <a:endParaRPr lang="en-US" dirty="0"/>
+          </a:p>
+        </p:txBody>
+      </p:sp>
+      <p:pic>
+        <p:nvPicPr>
+          <p:cNvPr id="54" name="Picture 53"/>
+          <p:cNvPicPr>
+            <a:picLocks noChangeAspect="1"/>
+          </p:cNvPicPr>
+          <p:nvPr/>
+        </p:nvPicPr>
+        <p:blipFill rotWithShape="1">
+          <a:blip r:embed="rId10">
+            <a:extLst>
+              <a:ext uri="{28A0092B-C50C-407E-A947-70E740481C1C}">
+                <a14:useLocalDpi xmlns:a14="http://schemas.microsoft.com/office/drawing/2010/main" val="0"/>
+              </a:ext>
+            </a:extLst>
+          </a:blip>
+          <a:srcRect l="5579" t="14619" r="5159" b="12222"/>
+          <a:stretch/>
+        </p:blipFill>
+        <p:spPr>
+          <a:xfrm>
+            <a:off x="843727" y="7785514"/>
+            <a:ext cx="2995512" cy="1753664"/>
+          </a:xfrm>
+          <a:prstGeom prst="rect">
+            <a:avLst/>
+          </a:prstGeom>
+        </p:spPr>
+      </p:pic>
+      <p:sp>
+        <p:nvSpPr>
+          <p:cNvPr id="55" name="TextBox 54"/>
+          <p:cNvSpPr txBox="1"/>
+          <p:nvPr/>
+        </p:nvSpPr>
+        <p:spPr>
+          <a:xfrm>
+            <a:off x="1042910" y="7852782"/>
+            <a:ext cx="1433406" cy="369332"/>
+          </a:xfrm>
+          <a:prstGeom prst="rect">
+            <a:avLst/>
+          </a:prstGeom>
+          <a:noFill/>
+        </p:spPr>
+        <p:txBody>
+          <a:bodyPr wrap="none" rtlCol="0">
+            <a:spAutoFit/>
+          </a:bodyPr>
+          <a:lstStyle/>
+          <a:p>
+            <a:r>
+              <a:rPr lang="en-US" dirty="0" smtClean="0"/>
+              <a:t>18S V4 MC61</a:t>
+            </a:r>
+            <a:endParaRPr lang="en-US" dirty="0"/>
+          </a:p>
+        </p:txBody>
+      </p:sp>
+      <p:pic>
+        <p:nvPicPr>
+          <p:cNvPr id="56" name="Picture 55"/>
+          <p:cNvPicPr>
+            <a:picLocks noChangeAspect="1"/>
+          </p:cNvPicPr>
+          <p:nvPr/>
+        </p:nvPicPr>
+        <p:blipFill rotWithShape="1">
+          <a:blip r:embed="rId11">
+            <a:extLst>
+              <a:ext uri="{28A0092B-C50C-407E-A947-70E740481C1C}">
+                <a14:useLocalDpi xmlns:a14="http://schemas.microsoft.com/office/drawing/2010/main" val="0"/>
+              </a:ext>
+            </a:extLst>
+          </a:blip>
+          <a:srcRect l="6037" t="15550" r="5536" b="11400"/>
+          <a:stretch/>
+        </p:blipFill>
+        <p:spPr>
+          <a:xfrm>
+            <a:off x="4028262" y="7801930"/>
+            <a:ext cx="2992218" cy="1765627"/>
+          </a:xfrm>
+          <a:prstGeom prst="rect">
+            <a:avLst/>
+          </a:prstGeom>
+        </p:spPr>
+      </p:pic>
+      <p:sp>
+        <p:nvSpPr>
+          <p:cNvPr id="57" name="TextBox 56"/>
+          <p:cNvSpPr txBox="1"/>
+          <p:nvPr/>
+        </p:nvSpPr>
+        <p:spPr>
+          <a:xfrm>
+            <a:off x="4229860" y="7864658"/>
+            <a:ext cx="1620957" cy="369332"/>
+          </a:xfrm>
+          <a:prstGeom prst="rect">
+            <a:avLst/>
+          </a:prstGeom>
+          <a:noFill/>
+        </p:spPr>
+        <p:txBody>
+          <a:bodyPr wrap="none" rtlCol="0">
+            <a:spAutoFit/>
+          </a:bodyPr>
+          <a:lstStyle/>
+          <a:p>
+            <a:r>
+              <a:rPr lang="en-US" dirty="0" smtClean="0"/>
+              <a:t>18S V8-9 MC61</a:t>
+            </a:r>
+            <a:endParaRPr lang="en-US" dirty="0"/>
+          </a:p>
+        </p:txBody>
+      </p:sp>
+      <p:pic>
+        <p:nvPicPr>
+          <p:cNvPr id="58" name="Picture 57"/>
+          <p:cNvPicPr>
+            <a:picLocks noChangeAspect="1"/>
+          </p:cNvPicPr>
+          <p:nvPr/>
+        </p:nvPicPr>
+        <p:blipFill rotWithShape="1">
+          <a:blip r:embed="rId12">
+            <a:extLst>
+              <a:ext uri="{28A0092B-C50C-407E-A947-70E740481C1C}">
+                <a14:useLocalDpi xmlns:a14="http://schemas.microsoft.com/office/drawing/2010/main" val="0"/>
+              </a:ext>
+            </a:extLst>
+          </a:blip>
+          <a:srcRect l="5579" t="14619" r="5159" b="11778"/>
+          <a:stretch/>
+        </p:blipFill>
+        <p:spPr>
+          <a:xfrm>
+            <a:off x="842721" y="5834677"/>
+            <a:ext cx="2986358" cy="1758927"/>
+          </a:xfrm>
+          <a:prstGeom prst="rect">
+            <a:avLst/>
+          </a:prstGeom>
+        </p:spPr>
+      </p:pic>
+      <p:sp>
+        <p:nvSpPr>
+          <p:cNvPr id="59" name="TextBox 58"/>
+          <p:cNvSpPr txBox="1"/>
+          <p:nvPr/>
+        </p:nvSpPr>
+        <p:spPr>
+          <a:xfrm>
+            <a:off x="1055708" y="5817362"/>
+            <a:ext cx="1433406" cy="369332"/>
+          </a:xfrm>
+          <a:prstGeom prst="rect">
+            <a:avLst/>
+          </a:prstGeom>
+          <a:noFill/>
+        </p:spPr>
+        <p:txBody>
+          <a:bodyPr wrap="none" rtlCol="0">
+            <a:spAutoFit/>
+          </a:bodyPr>
+          <a:lstStyle/>
+          <a:p>
+            <a:r>
+              <a:rPr lang="en-US" dirty="0" smtClean="0"/>
+              <a:t>18S V4 MC51</a:t>
+            </a:r>
+            <a:endParaRPr lang="en-US" dirty="0"/>
+          </a:p>
+        </p:txBody>
+      </p:sp>
+      <p:pic>
+        <p:nvPicPr>
+          <p:cNvPr id="60" name="Picture 59"/>
+          <p:cNvPicPr>
+            <a:picLocks noChangeAspect="1"/>
+          </p:cNvPicPr>
+          <p:nvPr/>
+        </p:nvPicPr>
+        <p:blipFill rotWithShape="1">
+          <a:blip r:embed="rId13">
+            <a:extLst>
+              <a:ext uri="{28A0092B-C50C-407E-A947-70E740481C1C}">
+                <a14:useLocalDpi xmlns:a14="http://schemas.microsoft.com/office/drawing/2010/main" val="0"/>
+              </a:ext>
+            </a:extLst>
+          </a:blip>
+          <a:srcRect l="5302" t="14619" r="5001" b="11111"/>
+          <a:stretch/>
+        </p:blipFill>
+        <p:spPr>
+          <a:xfrm>
+            <a:off x="837769" y="3952240"/>
+            <a:ext cx="3011630" cy="1781197"/>
+          </a:xfrm>
+          <a:prstGeom prst="rect">
+            <a:avLst/>
+          </a:prstGeom>
+        </p:spPr>
+      </p:pic>
+      <p:sp>
+        <p:nvSpPr>
+          <p:cNvPr id="61" name="TextBox 60"/>
+          <p:cNvSpPr txBox="1"/>
+          <p:nvPr/>
+        </p:nvSpPr>
+        <p:spPr>
+          <a:xfrm>
+            <a:off x="1025228" y="3940247"/>
+            <a:ext cx="1433406" cy="369332"/>
+          </a:xfrm>
+          <a:prstGeom prst="rect">
+            <a:avLst/>
+          </a:prstGeom>
+          <a:noFill/>
+        </p:spPr>
+        <p:txBody>
+          <a:bodyPr wrap="none" rtlCol="0">
+            <a:spAutoFit/>
+          </a:bodyPr>
+          <a:lstStyle/>
+          <a:p>
+            <a:r>
+              <a:rPr lang="en-US" dirty="0" smtClean="0"/>
+              <a:t>18S V4 MC21</a:t>
+            </a:r>
+            <a:endParaRPr lang="en-US" dirty="0"/>
+          </a:p>
+        </p:txBody>
+      </p:sp>
+    </p:spTree>
+    <p:extLst>
+      <p:ext uri="{BB962C8B-B14F-4D97-AF65-F5344CB8AC3E}">
+        <p14:creationId xmlns:p14="http://schemas.microsoft.com/office/powerpoint/2010/main" val="493203215"/>
       </p:ext>
     </p:extLst>
   </p:cSld>
